--- a/slides/flink_stream_processfunction.pptx
+++ b/slides/flink_stream_processfunction.pptx
@@ -235,7 +235,7 @@
           <a:p>
             <a:fld id="{0D8AA1DE-3765-3044-AB90-069FFF0A4626}" type="datetimeFigureOut">
               <a:rPr lang="en-US" smtClean="0"/>
-              <a:t>9/9/17</a:t>
+              <a:t>9/14/17</a:t>
             </a:fld>
             <a:endParaRPr lang="en-US"/>
           </a:p>
@@ -2752,36 +2752,6 @@
           </a:fontRef>
         </p:style>
       </p:cxnSp>
-      <p:pic>
-        <p:nvPicPr>
-          <p:cNvPr id="8" name="Picture 7" descr="avatar_emerald_200.png"/>
-          <p:cNvPicPr>
-            <a:picLocks noChangeAspect="1"/>
-          </p:cNvPicPr>
-          <p:nvPr userDrawn="1"/>
-        </p:nvPicPr>
-        <p:blipFill>
-          <a:blip r:embed="rId2" cstate="screen">
-            <a:extLst>
-              <a:ext uri="{28A0092B-C50C-407E-A947-70E740481C1C}">
-                <a14:useLocalDpi xmlns:a14="http://schemas.microsoft.com/office/drawing/2010/main"/>
-              </a:ext>
-            </a:extLst>
-          </a:blip>
-          <a:stretch>
-            <a:fillRect/>
-          </a:stretch>
-        </p:blipFill>
-        <p:spPr>
-          <a:xfrm>
-            <a:off x="8113486" y="205992"/>
-            <a:ext cx="573314" cy="570448"/>
-          </a:xfrm>
-          <a:prstGeom prst="rect">
-            <a:avLst/>
-          </a:prstGeom>
-        </p:spPr>
-      </p:pic>
     </p:spTree>
     <p:extLst>
       <p:ext uri="{BB962C8B-B14F-4D97-AF65-F5344CB8AC3E}">
@@ -3414,36 +3384,6 @@
           </a:fontRef>
         </p:style>
       </p:cxnSp>
-      <p:pic>
-        <p:nvPicPr>
-          <p:cNvPr id="10" name="Picture 9" descr="avatar_emerald_200.png"/>
-          <p:cNvPicPr>
-            <a:picLocks noChangeAspect="1"/>
-          </p:cNvPicPr>
-          <p:nvPr userDrawn="1"/>
-        </p:nvPicPr>
-        <p:blipFill>
-          <a:blip r:embed="rId2" cstate="screen">
-            <a:extLst>
-              <a:ext uri="{28A0092B-C50C-407E-A947-70E740481C1C}">
-                <a14:useLocalDpi xmlns:a14="http://schemas.microsoft.com/office/drawing/2010/main"/>
-              </a:ext>
-            </a:extLst>
-          </a:blip>
-          <a:stretch>
-            <a:fillRect/>
-          </a:stretch>
-        </p:blipFill>
-        <p:spPr>
-          <a:xfrm>
-            <a:off x="8113486" y="205992"/>
-            <a:ext cx="573314" cy="570448"/>
-          </a:xfrm>
-          <a:prstGeom prst="rect">
-            <a:avLst/>
-          </a:prstGeom>
-        </p:spPr>
-      </p:pic>
     </p:spTree>
     <p:extLst>
       <p:ext uri="{BB962C8B-B14F-4D97-AF65-F5344CB8AC3E}">
@@ -3930,36 +3870,6 @@
           </a:fontRef>
         </p:style>
       </p:cxnSp>
-      <p:pic>
-        <p:nvPicPr>
-          <p:cNvPr id="14" name="Picture 13" descr="avatar_emerald_200.png"/>
-          <p:cNvPicPr>
-            <a:picLocks noChangeAspect="1"/>
-          </p:cNvPicPr>
-          <p:nvPr userDrawn="1"/>
-        </p:nvPicPr>
-        <p:blipFill>
-          <a:blip r:embed="rId2" cstate="screen">
-            <a:extLst>
-              <a:ext uri="{28A0092B-C50C-407E-A947-70E740481C1C}">
-                <a14:useLocalDpi xmlns:a14="http://schemas.microsoft.com/office/drawing/2010/main"/>
-              </a:ext>
-            </a:extLst>
-          </a:blip>
-          <a:stretch>
-            <a:fillRect/>
-          </a:stretch>
-        </p:blipFill>
-        <p:spPr>
-          <a:xfrm>
-            <a:off x="8113486" y="205992"/>
-            <a:ext cx="573314" cy="570448"/>
-          </a:xfrm>
-          <a:prstGeom prst="rect">
-            <a:avLst/>
-          </a:prstGeom>
-        </p:spPr>
-      </p:pic>
     </p:spTree>
     <p:extLst>
       <p:ext uri="{BB962C8B-B14F-4D97-AF65-F5344CB8AC3E}">
@@ -4142,36 +4052,6 @@
           </a:fontRef>
         </p:style>
       </p:cxnSp>
-      <p:pic>
-        <p:nvPicPr>
-          <p:cNvPr id="10" name="Picture 9" descr="avatar_emerald_200.png"/>
-          <p:cNvPicPr>
-            <a:picLocks noChangeAspect="1"/>
-          </p:cNvPicPr>
-          <p:nvPr userDrawn="1"/>
-        </p:nvPicPr>
-        <p:blipFill>
-          <a:blip r:embed="rId2" cstate="screen">
-            <a:extLst>
-              <a:ext uri="{28A0092B-C50C-407E-A947-70E740481C1C}">
-                <a14:useLocalDpi xmlns:a14="http://schemas.microsoft.com/office/drawing/2010/main"/>
-              </a:ext>
-            </a:extLst>
-          </a:blip>
-          <a:stretch>
-            <a:fillRect/>
-          </a:stretch>
-        </p:blipFill>
-        <p:spPr>
-          <a:xfrm>
-            <a:off x="8113486" y="205992"/>
-            <a:ext cx="573314" cy="570448"/>
-          </a:xfrm>
-          <a:prstGeom prst="rect">
-            <a:avLst/>
-          </a:prstGeom>
-        </p:spPr>
-      </p:pic>
     </p:spTree>
     <p:extLst>
       <p:ext uri="{BB962C8B-B14F-4D97-AF65-F5344CB8AC3E}">
@@ -4295,36 +4175,6 @@
           </a:p>
         </p:txBody>
       </p:sp>
-      <p:pic>
-        <p:nvPicPr>
-          <p:cNvPr id="6" name="Picture 5" descr="avatar_emerald_200.png"/>
-          <p:cNvPicPr>
-            <a:picLocks noChangeAspect="1"/>
-          </p:cNvPicPr>
-          <p:nvPr userDrawn="1"/>
-        </p:nvPicPr>
-        <p:blipFill>
-          <a:blip r:embed="rId2" cstate="screen">
-            <a:extLst>
-              <a:ext uri="{28A0092B-C50C-407E-A947-70E740481C1C}">
-                <a14:useLocalDpi xmlns:a14="http://schemas.microsoft.com/office/drawing/2010/main"/>
-              </a:ext>
-            </a:extLst>
-          </a:blip>
-          <a:stretch>
-            <a:fillRect/>
-          </a:stretch>
-        </p:blipFill>
-        <p:spPr>
-          <a:xfrm>
-            <a:off x="8113486" y="205992"/>
-            <a:ext cx="573314" cy="570448"/>
-          </a:xfrm>
-          <a:prstGeom prst="rect">
-            <a:avLst/>
-          </a:prstGeom>
-        </p:spPr>
-      </p:pic>
     </p:spTree>
     <p:extLst>
       <p:ext uri="{BB962C8B-B14F-4D97-AF65-F5344CB8AC3E}">
@@ -5665,7 +5515,19 @@
                 <a:cs typeface="Avenir Light"/>
                 <a:sym typeface="Calibri"/>
               </a:rPr>
-              <a:t>8.9.2017</a:t>
+              <a:t>14</a:t>
+            </a:r>
+            <a:r>
+              <a:rPr lang="en-US" sz="1600" dirty="0" smtClean="0">
+                <a:solidFill>
+                  <a:schemeClr val="lt1"/>
+                </a:solidFill>
+                <a:latin typeface="Avenir Light"/>
+                <a:ea typeface="Calibri"/>
+                <a:cs typeface="Avenir Light"/>
+                <a:sym typeface="Calibri"/>
+              </a:rPr>
+              <a:t>.9.2017</a:t>
             </a:r>
             <a:endParaRPr kumimoji="0" sz="1600" u="none" strike="noStrike" kern="0" cap="none" spc="0" normalizeH="0" baseline="0" noProof="0" dirty="0">
               <a:ln>
@@ -8789,11 +8651,64 @@
           </a:p>
           <a:p>
             <a:r>
+              <a:rPr lang="en-US" sz="1400" dirty="0">
+                <a:latin typeface="Consolas" charset="0"/>
+                <a:ea typeface="Consolas" charset="0"/>
+                <a:cs typeface="Consolas" charset="0"/>
+              </a:rPr>
+              <a:t>	</a:t>
+            </a:r>
+            <a:r>
               <a:rPr lang="en-US" sz="1400" dirty="0" smtClean="0">
                 <a:latin typeface="Consolas" charset="0"/>
                 <a:ea typeface="Consolas" charset="0"/>
                 <a:cs typeface="Consolas" charset="0"/>
               </a:rPr>
+              <a:t>		</a:t>
+            </a:r>
+            <a:r>
+              <a:rPr lang="en-US" sz="1400" dirty="0" err="1">
+                <a:solidFill>
+                  <a:srgbClr val="FF0000"/>
+                </a:solidFill>
+                <a:latin typeface="Consolas" charset="0"/>
+                <a:ea typeface="Consolas" charset="0"/>
+                <a:cs typeface="Consolas" charset="0"/>
+              </a:rPr>
+              <a:t>state.clear</a:t>
+            </a:r>
+            <a:r>
+              <a:rPr lang="en-US" sz="1400">
+                <a:solidFill>
+                  <a:srgbClr val="FF0000"/>
+                </a:solidFill>
+                <a:latin typeface="Consolas" charset="0"/>
+                <a:ea typeface="Consolas" charset="0"/>
+                <a:cs typeface="Consolas" charset="0"/>
+              </a:rPr>
+              <a:t>()</a:t>
+            </a:r>
+            <a:r>
+              <a:rPr lang="en-US" sz="1400">
+                <a:latin typeface="Consolas" charset="0"/>
+                <a:ea typeface="Consolas" charset="0"/>
+                <a:cs typeface="Consolas" charset="0"/>
+              </a:rPr>
+              <a:t>;	</a:t>
+            </a:r>
+            <a:endParaRPr lang="en-US" sz="1400" dirty="0" smtClean="0">
+              <a:latin typeface="Consolas" charset="0"/>
+              <a:ea typeface="Consolas" charset="0"/>
+              <a:cs typeface="Consolas" charset="0"/>
+            </a:endParaRPr>
+          </a:p>
+          <a:p>
+            <a:r>
+              <a:rPr lang="en-US" sz="1400" dirty="0" smtClean="0">
+                <a:latin typeface="Consolas" charset="0"/>
+                <a:ea typeface="Consolas" charset="0"/>
+                <a:cs typeface="Consolas" charset="0"/>
+              </a:rPr>
               <a:t> </a:t>
             </a:r>
             <a:r>
@@ -8803,46 +8718,6 @@
                 <a:cs typeface="Consolas" charset="0"/>
               </a:rPr>
               <a:t>		} </a:t>
-            </a:r>
-          </a:p>
-          <a:p>
-            <a:r>
-              <a:rPr lang="en-US" sz="1400" dirty="0" smtClean="0">
-                <a:latin typeface="Consolas" charset="0"/>
-                <a:ea typeface="Consolas" charset="0"/>
-                <a:cs typeface="Consolas" charset="0"/>
-              </a:rPr>
-              <a:t>         </a:t>
-            </a:r>
-            <a:r>
-              <a:rPr lang="en-US" sz="1400" dirty="0" err="1" smtClean="0">
-                <a:solidFill>
-                  <a:srgbClr val="FF0000"/>
-                </a:solidFill>
-                <a:latin typeface="Consolas" charset="0"/>
-                <a:ea typeface="Consolas" charset="0"/>
-                <a:cs typeface="Consolas" charset="0"/>
-              </a:rPr>
-              <a:t>state.clear</a:t>
-            </a:r>
-            <a:r>
-              <a:rPr lang="en-US" sz="1400" dirty="0" smtClean="0">
-                <a:solidFill>
-                  <a:srgbClr val="FF0000"/>
-                </a:solidFill>
-                <a:latin typeface="Consolas" charset="0"/>
-                <a:ea typeface="Consolas" charset="0"/>
-                <a:cs typeface="Consolas" charset="0"/>
-              </a:rPr>
-              <a:t>()</a:t>
-            </a:r>
-            <a:r>
-              <a:rPr lang="en-US" sz="1400" dirty="0" smtClean="0">
-                <a:latin typeface="Consolas" charset="0"/>
-                <a:ea typeface="Consolas" charset="0"/>
-                <a:cs typeface="Consolas" charset="0"/>
-              </a:rPr>
-              <a:t>;	</a:t>
             </a:r>
           </a:p>
           <a:p>
